--- a/Chapter2/Figures/Fig10.pptx
+++ b/Chapter2/Figures/Fig10.pptx
@@ -7,7 +7,7 @@
   <p:sldIdLst>
     <p:sldId id="256" r:id="rId2"/>
   </p:sldIdLst>
-  <p:sldSz cx="6661150" cy="7380288"/>
+  <p:sldSz cx="6840538" cy="3600450"/>
   <p:notesSz cx="6858000" cy="9144000"/>
   <p:defaultTextStyle>
     <a:defPPr>
@@ -136,8 +136,8 @@
         </p:nvSpPr>
         <p:spPr>
           <a:xfrm>
-            <a:off x="499588" y="2292675"/>
-            <a:ext cx="5661978" cy="1581978"/>
+            <a:off x="513044" y="1118474"/>
+            <a:ext cx="5814458" cy="771763"/>
           </a:xfrm>
         </p:spPr>
         <p:txBody>
@@ -164,8 +164,8 @@
         </p:nvSpPr>
         <p:spPr>
           <a:xfrm>
-            <a:off x="999173" y="4182163"/>
-            <a:ext cx="4662806" cy="1886074"/>
+            <a:off x="1026082" y="2040255"/>
+            <a:ext cx="4788378" cy="920115"/>
           </a:xfrm>
         </p:spPr>
         <p:txBody>
@@ -288,7 +288,7 @@
           <a:p>
             <a:fld id="{1906727B-6D92-4B98-8509-4BE972B2F74C}" type="datetimeFigureOut">
               <a:rPr lang="en-GB" smtClean="0"/>
-              <a:t>25/06/2014</a:t>
+              <a:t>09/07/2014</a:t>
             </a:fld>
             <a:endParaRPr lang="en-GB"/>
           </a:p>
@@ -458,7 +458,7 @@
           <a:p>
             <a:fld id="{1906727B-6D92-4B98-8509-4BE972B2F74C}" type="datetimeFigureOut">
               <a:rPr lang="en-GB" smtClean="0"/>
-              <a:t>25/06/2014</a:t>
+              <a:t>09/07/2014</a:t>
             </a:fld>
             <a:endParaRPr lang="en-GB"/>
           </a:p>
@@ -548,8 +548,8 @@
         </p:nvSpPr>
         <p:spPr>
           <a:xfrm>
-            <a:off x="3803563" y="341680"/>
-            <a:ext cx="1179579" cy="7274367"/>
+            <a:off x="3905995" y="166688"/>
+            <a:ext cx="1211346" cy="3548777"/>
           </a:xfrm>
         </p:spPr>
         <p:txBody>
@@ -576,8 +576,8 @@
         </p:nvSpPr>
         <p:spPr>
           <a:xfrm>
-            <a:off x="262515" y="341680"/>
-            <a:ext cx="3430030" cy="7274367"/>
+            <a:off x="269584" y="166688"/>
+            <a:ext cx="3522403" cy="3548777"/>
           </a:xfrm>
         </p:spPr>
         <p:txBody>
@@ -638,7 +638,7 @@
           <a:p>
             <a:fld id="{1906727B-6D92-4B98-8509-4BE972B2F74C}" type="datetimeFigureOut">
               <a:rPr lang="en-GB" smtClean="0"/>
-              <a:t>25/06/2014</a:t>
+              <a:t>09/07/2014</a:t>
             </a:fld>
             <a:endParaRPr lang="en-GB"/>
           </a:p>
@@ -808,7 +808,7 @@
           <a:p>
             <a:fld id="{1906727B-6D92-4B98-8509-4BE972B2F74C}" type="datetimeFigureOut">
               <a:rPr lang="en-GB" smtClean="0"/>
-              <a:t>25/06/2014</a:t>
+              <a:t>09/07/2014</a:t>
             </a:fld>
             <a:endParaRPr lang="en-GB"/>
           </a:p>
@@ -898,8 +898,8 @@
         </p:nvSpPr>
         <p:spPr>
           <a:xfrm>
-            <a:off x="526185" y="4742520"/>
-            <a:ext cx="5661978" cy="1465807"/>
+            <a:off x="540357" y="2313624"/>
+            <a:ext cx="5814458" cy="715089"/>
           </a:xfrm>
         </p:spPr>
         <p:txBody>
@@ -930,8 +930,8 @@
         </p:nvSpPr>
         <p:spPr>
           <a:xfrm>
-            <a:off x="526185" y="3128082"/>
-            <a:ext cx="5661978" cy="1614437"/>
+            <a:off x="540357" y="1526026"/>
+            <a:ext cx="5814458" cy="787598"/>
           </a:xfrm>
         </p:spPr>
         <p:txBody>
@@ -1054,7 +1054,7 @@
           <a:p>
             <a:fld id="{1906727B-6D92-4B98-8509-4BE972B2F74C}" type="datetimeFigureOut">
               <a:rPr lang="en-GB" smtClean="0"/>
-              <a:t>25/06/2014</a:t>
+              <a:t>09/07/2014</a:t>
             </a:fld>
             <a:endParaRPr lang="en-GB"/>
           </a:p>
@@ -1167,8 +1167,8 @@
         </p:nvSpPr>
         <p:spPr>
           <a:xfrm>
-            <a:off x="262516" y="1988578"/>
-            <a:ext cx="2304804" cy="5627469"/>
+            <a:off x="269587" y="970122"/>
+            <a:ext cx="2366874" cy="2745343"/>
           </a:xfrm>
         </p:spPr>
         <p:txBody>
@@ -1252,8 +1252,8 @@
         </p:nvSpPr>
         <p:spPr>
           <a:xfrm>
-            <a:off x="2678338" y="1988578"/>
-            <a:ext cx="2304805" cy="5627469"/>
+            <a:off x="2750469" y="970122"/>
+            <a:ext cx="2366874" cy="2745343"/>
           </a:xfrm>
         </p:spPr>
         <p:txBody>
@@ -1342,7 +1342,7 @@
           <a:p>
             <a:fld id="{1906727B-6D92-4B98-8509-4BE972B2F74C}" type="datetimeFigureOut">
               <a:rPr lang="en-GB" smtClean="0"/>
-              <a:t>25/06/2014</a:t>
+              <a:t>09/07/2014</a:t>
             </a:fld>
             <a:endParaRPr lang="en-GB"/>
           </a:p>
@@ -1432,8 +1432,8 @@
         </p:nvSpPr>
         <p:spPr>
           <a:xfrm>
-            <a:off x="333058" y="295554"/>
-            <a:ext cx="5995036" cy="1230048"/>
+            <a:off x="342028" y="144185"/>
+            <a:ext cx="6156486" cy="600075"/>
           </a:xfrm>
         </p:spPr>
         <p:txBody>
@@ -1464,8 +1464,8 @@
         </p:nvSpPr>
         <p:spPr>
           <a:xfrm>
-            <a:off x="333058" y="1652023"/>
-            <a:ext cx="2943165" cy="688485"/>
+            <a:off x="342028" y="805935"/>
+            <a:ext cx="3022426" cy="335875"/>
           </a:xfrm>
         </p:spPr>
         <p:txBody>
@@ -1529,8 +1529,8 @@
         </p:nvSpPr>
         <p:spPr>
           <a:xfrm>
-            <a:off x="333058" y="2340509"/>
-            <a:ext cx="2943165" cy="4252209"/>
+            <a:off x="342028" y="1141810"/>
+            <a:ext cx="3022426" cy="2074427"/>
           </a:xfrm>
         </p:spPr>
         <p:txBody>
@@ -1614,8 +1614,8 @@
         </p:nvSpPr>
         <p:spPr>
           <a:xfrm>
-            <a:off x="3383771" y="1652023"/>
-            <a:ext cx="2944321" cy="688485"/>
+            <a:off x="3474898" y="805935"/>
+            <a:ext cx="3023613" cy="335875"/>
           </a:xfrm>
         </p:spPr>
         <p:txBody>
@@ -1679,8 +1679,8 @@
         </p:nvSpPr>
         <p:spPr>
           <a:xfrm>
-            <a:off x="3383771" y="2340509"/>
-            <a:ext cx="2944321" cy="4252209"/>
+            <a:off x="3474898" y="1141810"/>
+            <a:ext cx="3023613" cy="2074427"/>
           </a:xfrm>
         </p:spPr>
         <p:txBody>
@@ -1769,7 +1769,7 @@
           <a:p>
             <a:fld id="{1906727B-6D92-4B98-8509-4BE972B2F74C}" type="datetimeFigureOut">
               <a:rPr lang="en-GB" smtClean="0"/>
-              <a:t>25/06/2014</a:t>
+              <a:t>09/07/2014</a:t>
             </a:fld>
             <a:endParaRPr lang="en-GB"/>
           </a:p>
@@ -1887,7 +1887,7 @@
           <a:p>
             <a:fld id="{1906727B-6D92-4B98-8509-4BE972B2F74C}" type="datetimeFigureOut">
               <a:rPr lang="en-GB" smtClean="0"/>
-              <a:t>25/06/2014</a:t>
+              <a:t>09/07/2014</a:t>
             </a:fld>
             <a:endParaRPr lang="en-GB"/>
           </a:p>
@@ -1982,7 +1982,7 @@
           <a:p>
             <a:fld id="{1906727B-6D92-4B98-8509-4BE972B2F74C}" type="datetimeFigureOut">
               <a:rPr lang="en-GB" smtClean="0"/>
-              <a:t>25/06/2014</a:t>
+              <a:t>09/07/2014</a:t>
             </a:fld>
             <a:endParaRPr lang="en-GB"/>
           </a:p>
@@ -2072,8 +2072,8 @@
         </p:nvSpPr>
         <p:spPr>
           <a:xfrm>
-            <a:off x="333059" y="293845"/>
-            <a:ext cx="2191472" cy="1250548"/>
+            <a:off x="342029" y="143351"/>
+            <a:ext cx="2250489" cy="610076"/>
           </a:xfrm>
         </p:spPr>
         <p:txBody>
@@ -2104,8 +2104,8 @@
         </p:nvSpPr>
         <p:spPr>
           <a:xfrm>
-            <a:off x="2604325" y="293846"/>
-            <a:ext cx="3723768" cy="6298871"/>
+            <a:off x="2674460" y="143353"/>
+            <a:ext cx="3824052" cy="3072884"/>
           </a:xfrm>
         </p:spPr>
         <p:txBody>
@@ -2189,8 +2189,8 @@
         </p:nvSpPr>
         <p:spPr>
           <a:xfrm>
-            <a:off x="333059" y="1544395"/>
-            <a:ext cx="2191472" cy="5048322"/>
+            <a:off x="342029" y="753428"/>
+            <a:ext cx="2250489" cy="2462808"/>
           </a:xfrm>
         </p:spPr>
         <p:txBody>
@@ -2259,7 +2259,7 @@
           <a:p>
             <a:fld id="{1906727B-6D92-4B98-8509-4BE972B2F74C}" type="datetimeFigureOut">
               <a:rPr lang="en-GB" smtClean="0"/>
-              <a:t>25/06/2014</a:t>
+              <a:t>09/07/2014</a:t>
             </a:fld>
             <a:endParaRPr lang="en-GB"/>
           </a:p>
@@ -2349,8 +2349,8 @@
         </p:nvSpPr>
         <p:spPr>
           <a:xfrm>
-            <a:off x="1305633" y="5166202"/>
-            <a:ext cx="3996690" cy="609899"/>
+            <a:off x="1340794" y="2520316"/>
+            <a:ext cx="4104323" cy="297537"/>
           </a:xfrm>
         </p:spPr>
         <p:txBody>
@@ -2381,8 +2381,8 @@
         </p:nvSpPr>
         <p:spPr>
           <a:xfrm>
-            <a:off x="1305633" y="659443"/>
-            <a:ext cx="3996690" cy="4428173"/>
+            <a:off x="1340794" y="321708"/>
+            <a:ext cx="4104323" cy="2160270"/>
           </a:xfrm>
         </p:spPr>
         <p:txBody>
@@ -2442,8 +2442,8 @@
         </p:nvSpPr>
         <p:spPr>
           <a:xfrm>
-            <a:off x="1305633" y="5776102"/>
-            <a:ext cx="3996690" cy="866158"/>
+            <a:off x="1340794" y="2817853"/>
+            <a:ext cx="4104323" cy="422552"/>
           </a:xfrm>
         </p:spPr>
         <p:txBody>
@@ -2512,7 +2512,7 @@
           <a:p>
             <a:fld id="{1906727B-6D92-4B98-8509-4BE972B2F74C}" type="datetimeFigureOut">
               <a:rPr lang="en-GB" smtClean="0"/>
-              <a:t>25/06/2014</a:t>
+              <a:t>09/07/2014</a:t>
             </a:fld>
             <a:endParaRPr lang="en-GB"/>
           </a:p>
@@ -2607,8 +2607,8 @@
         </p:nvSpPr>
         <p:spPr>
           <a:xfrm>
-            <a:off x="333058" y="295554"/>
-            <a:ext cx="5995036" cy="1230048"/>
+            <a:off x="342028" y="144185"/>
+            <a:ext cx="6156486" cy="600075"/>
           </a:xfrm>
           <a:prstGeom prst="rect">
             <a:avLst/>
@@ -2640,8 +2640,8 @@
         </p:nvSpPr>
         <p:spPr>
           <a:xfrm>
-            <a:off x="333058" y="1722069"/>
-            <a:ext cx="5995036" cy="4870649"/>
+            <a:off x="342028" y="840106"/>
+            <a:ext cx="6156486" cy="2376131"/>
           </a:xfrm>
           <a:prstGeom prst="rect">
             <a:avLst/>
@@ -2702,8 +2702,8 @@
         </p:nvSpPr>
         <p:spPr>
           <a:xfrm>
-            <a:off x="333058" y="6840434"/>
-            <a:ext cx="1554269" cy="392932"/>
+            <a:off x="342029" y="3337084"/>
+            <a:ext cx="1596126" cy="191691"/>
           </a:xfrm>
           <a:prstGeom prst="rect">
             <a:avLst/>
@@ -2725,7 +2725,7 @@
           <a:p>
             <a:fld id="{1906727B-6D92-4B98-8509-4BE972B2F74C}" type="datetimeFigureOut">
               <a:rPr lang="en-GB" smtClean="0"/>
-              <a:t>25/06/2014</a:t>
+              <a:t>09/07/2014</a:t>
             </a:fld>
             <a:endParaRPr lang="en-GB"/>
           </a:p>
@@ -2743,8 +2743,8 @@
         </p:nvSpPr>
         <p:spPr>
           <a:xfrm>
-            <a:off x="2275895" y="6840434"/>
-            <a:ext cx="2109364" cy="392932"/>
+            <a:off x="2337186" y="3337084"/>
+            <a:ext cx="2166169" cy="191691"/>
           </a:xfrm>
           <a:prstGeom prst="rect">
             <a:avLst/>
@@ -2780,8 +2780,8 @@
         </p:nvSpPr>
         <p:spPr>
           <a:xfrm>
-            <a:off x="4773824" y="6840434"/>
-            <a:ext cx="1554269" cy="392932"/>
+            <a:off x="4902387" y="3337084"/>
+            <a:ext cx="1596126" cy="191691"/>
           </a:xfrm>
           <a:prstGeom prst="rect">
             <a:avLst/>
@@ -3102,7 +3102,7 @@
       </p:grpSpPr>
       <p:pic>
         <p:nvPicPr>
-          <p:cNvPr id="16" name="Picture 2" descr="C:\Users\Wendy\Documents\wwn20\Lit review\Figures\kitazawa1998-1.jpg"/>
+          <p:cNvPr id="14" name="Picture 2" descr="C:\Users\Wendy\Documents\wwn20\Lit review\Figures\kitazawa1998-1.jpg"/>
           <p:cNvPicPr>
             <a:picLocks noChangeAspect="1" noChangeArrowheads="1"/>
           </p:cNvPicPr>
@@ -3143,7 +3143,7 @@
       </p:pic>
       <p:pic>
         <p:nvPicPr>
-          <p:cNvPr id="17" name="Picture 3" descr="C:\Users\Wendy\Documents\wwn20\Lit review\Figures\kitasawa1998-2.jpg"/>
+          <p:cNvPr id="15" name="Picture 3" descr="C:\Users\Wendy\Documents\wwn20\Lit review\Figures\kitasawa1998-2.jpg"/>
           <p:cNvPicPr>
             <a:picLocks noChangeAspect="1" noChangeArrowheads="1"/>
           </p:cNvPicPr>
@@ -3180,89 +3180,9 @@
           </a:extLst>
         </p:spPr>
       </p:pic>
-      <p:pic>
-        <p:nvPicPr>
-          <p:cNvPr id="18" name="Picture 4" descr="C:\Users\Wendy\Documents\wwn20\Lit review\Figures\kitazawa2002-1.jpg"/>
-          <p:cNvPicPr>
-            <a:picLocks noChangeAspect="1" noChangeArrowheads="1"/>
-          </p:cNvPicPr>
-          <p:nvPr/>
-        </p:nvPicPr>
-        <p:blipFill>
-          <a:blip r:embed="rId4">
-            <a:extLst>
-              <a:ext uri="{28A0092B-C50C-407E-A947-70E740481C1C}">
-                <a14:useLocalDpi xmlns:a14="http://schemas.microsoft.com/office/drawing/2010/main" val="0"/>
-              </a:ext>
-            </a:extLst>
-          </a:blip>
-          <a:srcRect/>
-          <a:stretch>
-            <a:fillRect/>
-          </a:stretch>
-        </p:blipFill>
-        <p:spPr bwMode="auto">
-          <a:xfrm>
-            <a:off x="74739" y="3604057"/>
-            <a:ext cx="3355975" cy="3814763"/>
-          </a:xfrm>
-          <a:prstGeom prst="rect">
-            <a:avLst/>
-          </a:prstGeom>
-          <a:noFill/>
-          <a:extLst>
-            <a:ext uri="{909E8E84-426E-40DD-AFC4-6F175D3DCCD1}">
-              <a14:hiddenFill xmlns:a14="http://schemas.microsoft.com/office/drawing/2010/main">
-                <a:solidFill>
-                  <a:srgbClr val="FFFFFF"/>
-                </a:solidFill>
-              </a14:hiddenFill>
-            </a:ext>
-          </a:extLst>
-        </p:spPr>
-      </p:pic>
-      <p:pic>
-        <p:nvPicPr>
-          <p:cNvPr id="19" name="Picture 5" descr="C:\Users\Wendy\Documents\wwn20\Lit review\Figures\kitazawa2002-2.jpg"/>
-          <p:cNvPicPr>
-            <a:picLocks noChangeAspect="1" noChangeArrowheads="1"/>
-          </p:cNvPicPr>
-          <p:nvPr/>
-        </p:nvPicPr>
-        <p:blipFill rotWithShape="1">
-          <a:blip r:embed="rId5">
-            <a:extLst>
-              <a:ext uri="{28A0092B-C50C-407E-A947-70E740481C1C}">
-                <a14:useLocalDpi xmlns:a14="http://schemas.microsoft.com/office/drawing/2010/main" val="0"/>
-              </a:ext>
-            </a:extLst>
-          </a:blip>
-          <a:srcRect l="7248"/>
-          <a:stretch/>
-        </p:blipFill>
-        <p:spPr bwMode="auto">
-          <a:xfrm>
-            <a:off x="3354881" y="3612205"/>
-            <a:ext cx="3372819" cy="3744000"/>
-          </a:xfrm>
-          <a:prstGeom prst="rect">
-            <a:avLst/>
-          </a:prstGeom>
-          <a:noFill/>
-          <a:extLst>
-            <a:ext uri="{909E8E84-426E-40DD-AFC4-6F175D3DCCD1}">
-              <a14:hiddenFill xmlns:a14="http://schemas.microsoft.com/office/drawing/2010/main">
-                <a:solidFill>
-                  <a:srgbClr val="FFFFFF"/>
-                </a:solidFill>
-              </a14:hiddenFill>
-            </a:ext>
-          </a:extLst>
-        </p:spPr>
-      </p:pic>
-      <p:sp>
-        <p:nvSpPr>
-          <p:cNvPr id="4" name="TextBox 3"/>
+      <p:sp>
+        <p:nvSpPr>
+          <p:cNvPr id="20" name="TextBox 19"/>
           <p:cNvSpPr txBox="1"/>
           <p:nvPr/>
         </p:nvSpPr>
@@ -3292,7 +3212,7 @@
       </p:sp>
       <p:sp>
         <p:nvSpPr>
-          <p:cNvPr id="21" name="TextBox 20"/>
+          <p:cNvPr id="24" name="TextBox 23"/>
           <p:cNvSpPr txBox="1"/>
           <p:nvPr/>
         </p:nvSpPr>
@@ -3315,66 +3235,6 @@
             <a:r>
               <a:rPr lang="en-GB" sz="2500" dirty="0" smtClean="0"/>
               <a:t>(b)</a:t>
-            </a:r>
-            <a:endParaRPr lang="en-GB" sz="2500" dirty="0"/>
-          </a:p>
-        </p:txBody>
-      </p:sp>
-      <p:sp>
-        <p:nvSpPr>
-          <p:cNvPr id="22" name="TextBox 21"/>
-          <p:cNvSpPr txBox="1"/>
-          <p:nvPr/>
-        </p:nvSpPr>
-        <p:spPr>
-          <a:xfrm>
-            <a:off x="-59057" y="3543394"/>
-            <a:ext cx="576064" cy="477054"/>
-          </a:xfrm>
-          <a:prstGeom prst="rect">
-            <a:avLst/>
-          </a:prstGeom>
-          <a:noFill/>
-        </p:spPr>
-        <p:txBody>
-          <a:bodyPr wrap="square" rtlCol="0">
-            <a:spAutoFit/>
-          </a:bodyPr>
-          <a:lstStyle/>
-          <a:p>
-            <a:r>
-              <a:rPr lang="en-GB" sz="2500" dirty="0" smtClean="0"/>
-              <a:t>(c)</a:t>
-            </a:r>
-            <a:endParaRPr lang="en-GB" sz="2500" dirty="0"/>
-          </a:p>
-        </p:txBody>
-      </p:sp>
-      <p:sp>
-        <p:nvSpPr>
-          <p:cNvPr id="23" name="TextBox 22"/>
-          <p:cNvSpPr txBox="1"/>
-          <p:nvPr/>
-        </p:nvSpPr>
-        <p:spPr>
-          <a:xfrm>
-            <a:off x="3218574" y="3543394"/>
-            <a:ext cx="576064" cy="477054"/>
-          </a:xfrm>
-          <a:prstGeom prst="rect">
-            <a:avLst/>
-          </a:prstGeom>
-          <a:noFill/>
-        </p:spPr>
-        <p:txBody>
-          <a:bodyPr wrap="square" rtlCol="0">
-            <a:spAutoFit/>
-          </a:bodyPr>
-          <a:lstStyle/>
-          <a:p>
-            <a:r>
-              <a:rPr lang="en-GB" sz="2500" dirty="0" smtClean="0"/>
-              <a:t>(d)</a:t>
             </a:r>
             <a:endParaRPr lang="en-GB" sz="2500" dirty="0"/>
           </a:p>
